--- a/기말 발표 내용.pptx
+++ b/기말 발표 내용.pptx
@@ -950,7 +950,7 @@
               <a:buNone/>
             </a:pPr>
             <a:r>
-              <a:rPr lang="ko" sz="1200">
+              <a:rPr lang="ko" sz="1200" dirty="0">
                 <a:solidFill>
                   <a:srgbClr val="212121"/>
                 </a:solidFill>
@@ -961,7 +961,7 @@
               </a:rPr>
               <a:t>5월의 전주는 전주국제영화제와 공휴일 모두 영향을 주고 있다.</a:t>
             </a:r>
-            <a:endParaRPr sz="1200">
+            <a:endParaRPr sz="1200" dirty="0">
               <a:solidFill>
                 <a:srgbClr val="212121"/>
               </a:solidFill>
@@ -981,7 +981,7 @@
               </a:spcAft>
               <a:buNone/>
             </a:pPr>
-            <a:endParaRPr/>
+            <a:endParaRPr dirty="0"/>
           </a:p>
         </p:txBody>
       </p:sp>
@@ -1311,7 +1311,7 @@
               <a:buNone/>
             </a:pPr>
             <a:r>
-              <a:rPr lang="ko" sz="1200">
+              <a:rPr lang="ko" sz="1200" dirty="0">
                 <a:solidFill>
                   <a:srgbClr val="212121"/>
                 </a:solidFill>
@@ -1325,7 +1325,7 @@
               </a:rPr>
               <a:t>요일별</a:t>
             </a:r>
-            <a:endParaRPr sz="1200">
+            <a:endParaRPr sz="1200" dirty="0">
               <a:solidFill>
                 <a:srgbClr val="212121"/>
               </a:solidFill>
@@ -1357,7 +1357,7 @@
               <a:buChar char="●"/>
             </a:pPr>
             <a:r>
-              <a:rPr lang="ko" sz="1200">
+              <a:rPr lang="ko" sz="1200" dirty="0">
                 <a:solidFill>
                   <a:srgbClr val="212121"/>
                 </a:solidFill>
@@ -1371,7 +1371,7 @@
               </a:rPr>
               <a:t>세 지역 모두 금요일과 토요일의 이용객수가 가장 많았다</a:t>
             </a:r>
-            <a:endParaRPr sz="1200">
+            <a:endParaRPr sz="1200" dirty="0">
               <a:solidFill>
                 <a:srgbClr val="212121"/>
               </a:solidFill>
@@ -1398,7 +1398,7 @@
               <a:buNone/>
             </a:pPr>
             <a:r>
-              <a:rPr lang="ko" sz="1200">
+              <a:rPr lang="ko" sz="1200" dirty="0">
                 <a:solidFill>
                   <a:srgbClr val="212121"/>
                 </a:solidFill>
@@ -1412,7 +1412,7 @@
               </a:rPr>
               <a:t>성별</a:t>
             </a:r>
-            <a:endParaRPr sz="1200">
+            <a:endParaRPr sz="1200" dirty="0">
               <a:solidFill>
                 <a:srgbClr val="212121"/>
               </a:solidFill>
@@ -1444,7 +1444,7 @@
               <a:buChar char="●"/>
             </a:pPr>
             <a:r>
-              <a:rPr lang="ko" sz="1200">
+              <a:rPr lang="ko" sz="1200" dirty="0">
                 <a:solidFill>
                   <a:srgbClr val="212121"/>
                 </a:solidFill>
@@ -1458,7 +1458,7 @@
               </a:rPr>
               <a:t>강릉, 전주 지역은 여성이용객수가, 목포지역은 남성이용객수가 많았다.</a:t>
             </a:r>
-            <a:endParaRPr sz="1200">
+            <a:endParaRPr sz="1200" dirty="0">
               <a:solidFill>
                 <a:srgbClr val="212121"/>
               </a:solidFill>
@@ -1489,7 +1489,7 @@
               <a:buFont typeface="Roboto"/>
               <a:buChar char="●"/>
             </a:pPr>
-            <a:endParaRPr sz="1200">
+            <a:endParaRPr sz="1200" dirty="0">
               <a:solidFill>
                 <a:srgbClr val="212121"/>
               </a:solidFill>
@@ -1513,10 +1513,10 @@
               <a:buNone/>
             </a:pPr>
             <a:r>
-              <a:rPr lang="ko"/>
+              <a:rPr lang="ko" dirty="0"/>
               <a:t>연령대 </a:t>
             </a:r>
-            <a:endParaRPr/>
+            <a:endParaRPr dirty="0"/>
           </a:p>
           <a:p>
             <a:pPr marL="0" lvl="0" indent="0" algn="l" rtl="0">
@@ -1529,10 +1529,10 @@
               <a:buNone/>
             </a:pPr>
             <a:r>
-              <a:rPr lang="ko"/>
+              <a:rPr lang="ko" dirty="0"/>
               <a:t>20-30대가 가장 많음</a:t>
             </a:r>
-            <a:endParaRPr/>
+            <a:endParaRPr dirty="0"/>
           </a:p>
         </p:txBody>
       </p:sp>
@@ -1895,7 +1895,7 @@
               <a:buNone/>
             </a:pPr>
             <a:r>
-              <a:rPr lang="ko" sz="1200" b="1">
+              <a:rPr lang="ko" sz="1200" b="1" dirty="0">
                 <a:solidFill>
                   <a:srgbClr val="212121"/>
                 </a:solidFill>
@@ -1909,7 +1909,7 @@
               </a:rPr>
               <a:t>외지인관광객 24시간 이후 이동비율 (dataset)</a:t>
             </a:r>
-            <a:endParaRPr sz="1200" b="1">
+            <a:endParaRPr sz="1200" b="1" dirty="0">
               <a:solidFill>
                 <a:srgbClr val="212121"/>
               </a:solidFill>
@@ -1933,7 +1933,7 @@
               <a:buNone/>
             </a:pPr>
             <a:r>
-              <a:rPr lang="ko" sz="1200" b="1">
+              <a:rPr lang="ko" sz="1200" b="1" dirty="0">
                 <a:solidFill>
                   <a:srgbClr val="212121"/>
                 </a:solidFill>
@@ -1947,7 +1947,7 @@
               </a:rPr>
               <a:t>RESD - 외지인이 24시간이후 어디로가는가?</a:t>
             </a:r>
-            <a:endParaRPr sz="1200" b="1">
+            <a:endParaRPr sz="1200" b="1" dirty="0">
               <a:solidFill>
                 <a:srgbClr val="212121"/>
               </a:solidFill>
@@ -1971,7 +1971,7 @@
               <a:buNone/>
             </a:pPr>
             <a:r>
-              <a:rPr lang="ko" sz="1200" b="1">
+              <a:rPr lang="ko" sz="1200" b="1" dirty="0">
                 <a:solidFill>
                   <a:srgbClr val="212121"/>
                 </a:solidFill>
@@ -1985,7 +1985,7 @@
               </a:rPr>
               <a:t>CNT - 24시간이후 이동 비율</a:t>
             </a:r>
-            <a:endParaRPr sz="1200" b="1">
+            <a:endParaRPr sz="1200" b="1" dirty="0">
               <a:solidFill>
                 <a:srgbClr val="212121"/>
               </a:solidFill>
@@ -2083,7 +2083,7 @@
         </p:nvSpPr>
         <p:spPr>
           <a:xfrm>
-            <a:off x="381300" y="685800"/>
+            <a:off x="381000" y="685800"/>
             <a:ext cx="6096000" cy="3429000"/>
           </a:xfrm>
           <a:custGeom>
@@ -2146,7 +2146,7 @@
               </a:spcAft>
               <a:buNone/>
             </a:pPr>
-            <a:endParaRPr/>
+            <a:endParaRPr dirty="0"/>
           </a:p>
         </p:txBody>
       </p:sp>
@@ -2187,7 +2187,7 @@
         </p:nvSpPr>
         <p:spPr>
           <a:xfrm>
-            <a:off x="381300" y="685800"/>
+            <a:off x="381000" y="685800"/>
             <a:ext cx="6096000" cy="3429000"/>
           </a:xfrm>
           <a:custGeom>
@@ -2671,10 +2671,10 @@
               <a:buNone/>
             </a:pPr>
             <a:r>
-              <a:rPr lang="ko"/>
+              <a:rPr lang="ko" dirty="0"/>
               <a:t>강릉에 비해 숙박시설이 빈약함</a:t>
             </a:r>
-            <a:endParaRPr/>
+            <a:endParaRPr dirty="0"/>
           </a:p>
           <a:p>
             <a:pPr marL="0" lvl="0" indent="0" algn="l" rtl="0">
@@ -2687,10 +2687,10 @@
               <a:buNone/>
             </a:pPr>
             <a:r>
-              <a:rPr lang="ko"/>
+              <a:rPr lang="ko" dirty="0"/>
               <a:t>관광객 분석에서 숙박 수요가 있는 걸로 보아 - -- 숙박시설을 늘려야함(개선점)</a:t>
             </a:r>
-            <a:endParaRPr/>
+            <a:endParaRPr dirty="0"/>
           </a:p>
         </p:txBody>
       </p:sp>
@@ -11766,7 +11766,7 @@
         </p:blipFill>
         <p:spPr>
           <a:xfrm>
-            <a:off x="3843050" y="2121363"/>
+            <a:off x="-1260862" y="1930450"/>
             <a:ext cx="3581400" cy="2638425"/>
           </a:xfrm>
           <a:prstGeom prst="rect">
@@ -11927,7 +11927,7 @@
         </p:blipFill>
         <p:spPr>
           <a:xfrm>
-            <a:off x="544988" y="1319200"/>
+            <a:off x="1075499" y="2638425"/>
             <a:ext cx="3724275" cy="2505075"/>
           </a:xfrm>
           <a:prstGeom prst="rect">
@@ -11955,7 +11955,7 @@
         </p:blipFill>
         <p:spPr>
           <a:xfrm>
-            <a:off x="2776463" y="445013"/>
+            <a:off x="2771554" y="445025"/>
             <a:ext cx="2200275" cy="2200275"/>
           </a:xfrm>
           <a:prstGeom prst="rect">
@@ -11983,8 +11983,8 @@
         </p:blipFill>
         <p:spPr>
           <a:xfrm>
-            <a:off x="3179488" y="2783613"/>
-            <a:ext cx="3667125" cy="2638425"/>
+            <a:off x="-5336338" y="731375"/>
+            <a:ext cx="6063847" cy="2948941"/>
           </a:xfrm>
           <a:prstGeom prst="rect">
             <a:avLst/>
